--- a/HTML5Canvas/ECG_Grid/drawChart.pptx
+++ b/HTML5Canvas/ECG_Grid/drawChart.pptx
@@ -5,7 +5,7 @@
     <p:sldMasterId id="2147483661" r:id="rId1"/>
   </p:sldMasterIdLst>
   <p:notesMasterIdLst>
-    <p:notesMasterId r:id="rId8"/>
+    <p:notesMasterId r:id="rId11"/>
   </p:notesMasterIdLst>
   <p:sldIdLst>
     <p:sldId id="256" r:id="rId2"/>
@@ -14,11 +14,14 @@
     <p:sldId id="337" r:id="rId5"/>
     <p:sldId id="338" r:id="rId6"/>
     <p:sldId id="339" r:id="rId7"/>
+    <p:sldId id="340" r:id="rId8"/>
+    <p:sldId id="341" r:id="rId9"/>
+    <p:sldId id="342" r:id="rId10"/>
   </p:sldIdLst>
   <p:sldSz cx="12192000" cy="6858000"/>
   <p:notesSz cx="6858000" cy="9144000"/>
   <p:custDataLst>
-    <p:tags r:id="rId9"/>
+    <p:tags r:id="rId12"/>
   </p:custDataLst>
   <p:defaultTextStyle>
     <a:defPPr>
@@ -216,7 +219,7 @@
           <a:p>
             <a:fld id="{FD30E971-D1D3-4B0D-B02A-F36757F13815}" type="datetimeFigureOut">
               <a:rPr lang="zh-TW" altLang="en-US" smtClean="0"/>
-              <a:t>2021/3/10</a:t>
+              <a:t>2021/3/19</a:t>
             </a:fld>
             <a:endParaRPr lang="zh-TW" altLang="en-US"/>
           </a:p>
@@ -663,7 +666,7 @@
             <a:fld id="{BB12B589-21DE-46A2-AF91-CC043ECE94FC}" type="datetimeFigureOut">
               <a:rPr lang="zh-CN" altLang="en-US" smtClean="0"/>
               <a:pPr/>
-              <a:t>2021/3/10</a:t>
+              <a:t>2021/3/19</a:t>
             </a:fld>
             <a:endParaRPr lang="zh-CN" altLang="en-US"/>
           </a:p>
@@ -833,7 +836,7 @@
             <a:fld id="{BB12B589-21DE-46A2-AF91-CC043ECE94FC}" type="datetimeFigureOut">
               <a:rPr lang="zh-CN" altLang="en-US" smtClean="0"/>
               <a:pPr/>
-              <a:t>2021/3/10</a:t>
+              <a:t>2021/3/19</a:t>
             </a:fld>
             <a:endParaRPr lang="zh-CN" altLang="en-US"/>
           </a:p>
@@ -1013,7 +1016,7 @@
             <a:fld id="{BB12B589-21DE-46A2-AF91-CC043ECE94FC}" type="datetimeFigureOut">
               <a:rPr lang="zh-CN" altLang="en-US" smtClean="0"/>
               <a:pPr/>
-              <a:t>2021/3/10</a:t>
+              <a:t>2021/3/19</a:t>
             </a:fld>
             <a:endParaRPr lang="zh-CN" altLang="en-US"/>
           </a:p>
@@ -1183,7 +1186,7 @@
             <a:fld id="{BB12B589-21DE-46A2-AF91-CC043ECE94FC}" type="datetimeFigureOut">
               <a:rPr lang="zh-CN" altLang="en-US" smtClean="0"/>
               <a:pPr/>
-              <a:t>2021/3/10</a:t>
+              <a:t>2021/3/19</a:t>
             </a:fld>
             <a:endParaRPr lang="zh-CN" altLang="en-US"/>
           </a:p>
@@ -1430,7 +1433,7 @@
             <a:fld id="{BB12B589-21DE-46A2-AF91-CC043ECE94FC}" type="datetimeFigureOut">
               <a:rPr lang="zh-CN" altLang="en-US" smtClean="0"/>
               <a:pPr/>
-              <a:t>2021/3/10</a:t>
+              <a:t>2021/3/19</a:t>
             </a:fld>
             <a:endParaRPr lang="zh-CN" altLang="en-US"/>
           </a:p>
@@ -1717,7 +1720,7 @@
             <a:fld id="{BB12B589-21DE-46A2-AF91-CC043ECE94FC}" type="datetimeFigureOut">
               <a:rPr lang="zh-CN" altLang="en-US" smtClean="0"/>
               <a:pPr/>
-              <a:t>2021/3/10</a:t>
+              <a:t>2021/3/19</a:t>
             </a:fld>
             <a:endParaRPr lang="zh-CN" altLang="en-US"/>
           </a:p>
@@ -2143,7 +2146,7 @@
             <a:fld id="{BB12B589-21DE-46A2-AF91-CC043ECE94FC}" type="datetimeFigureOut">
               <a:rPr lang="zh-CN" altLang="en-US" smtClean="0"/>
               <a:pPr/>
-              <a:t>2021/3/10</a:t>
+              <a:t>2021/3/19</a:t>
             </a:fld>
             <a:endParaRPr lang="zh-CN" altLang="en-US"/>
           </a:p>
@@ -2262,7 +2265,7 @@
             <a:fld id="{BB12B589-21DE-46A2-AF91-CC043ECE94FC}" type="datetimeFigureOut">
               <a:rPr lang="zh-CN" altLang="en-US" smtClean="0"/>
               <a:pPr/>
-              <a:t>2021/3/10</a:t>
+              <a:t>2021/3/19</a:t>
             </a:fld>
             <a:endParaRPr lang="zh-CN" altLang="en-US"/>
           </a:p>
@@ -2359,7 +2362,7 @@
             <a:fld id="{BB12B589-21DE-46A2-AF91-CC043ECE94FC}" type="datetimeFigureOut">
               <a:rPr lang="zh-CN" altLang="en-US" smtClean="0"/>
               <a:pPr/>
-              <a:t>2021/3/10</a:t>
+              <a:t>2021/3/19</a:t>
             </a:fld>
             <a:endParaRPr lang="zh-CN" altLang="en-US"/>
           </a:p>
@@ -2636,7 +2639,7 @@
             <a:fld id="{BB12B589-21DE-46A2-AF91-CC043ECE94FC}" type="datetimeFigureOut">
               <a:rPr lang="zh-CN" altLang="en-US" smtClean="0"/>
               <a:pPr/>
-              <a:t>2021/3/10</a:t>
+              <a:t>2021/3/19</a:t>
             </a:fld>
             <a:endParaRPr lang="zh-CN" altLang="en-US"/>
           </a:p>
@@ -2890,7 +2893,7 @@
             <a:fld id="{BB12B589-21DE-46A2-AF91-CC043ECE94FC}" type="datetimeFigureOut">
               <a:rPr lang="zh-CN" altLang="en-US" smtClean="0"/>
               <a:pPr/>
-              <a:t>2021/3/10</a:t>
+              <a:t>2021/3/19</a:t>
             </a:fld>
             <a:endParaRPr lang="zh-CN" altLang="en-US"/>
           </a:p>
@@ -3103,7 +3106,7 @@
             <a:fld id="{BB12B589-21DE-46A2-AF91-CC043ECE94FC}" type="datetimeFigureOut">
               <a:rPr lang="zh-CN" altLang="en-US" smtClean="0"/>
               <a:pPr/>
-              <a:t>2021/3/10</a:t>
+              <a:t>2021/3/19</a:t>
             </a:fld>
             <a:endParaRPr lang="zh-CN" altLang="en-US"/>
           </a:p>
@@ -4291,35 +4294,35 @@
             <a:pPr lvl="1"/>
             <a:r>
               <a:rPr lang="en-US" altLang="zh-TW" dirty="0"/>
-              <a:t>[{"age":1,"weight",7},</a:t>
+              <a:t>[{"age":1,"weight":7},</a:t>
             </a:r>
           </a:p>
           <a:p>
             <a:pPr lvl="1"/>
             <a:r>
               <a:rPr lang="en-US" altLang="zh-TW" dirty="0"/>
-              <a:t>{"age":2,"weight",10},</a:t>
+              <a:t>{"age":2,"weight":10},</a:t>
             </a:r>
           </a:p>
           <a:p>
             <a:pPr lvl="1"/>
             <a:r>
               <a:rPr lang="en-US" altLang="zh-TW" dirty="0"/>
-              <a:t>{"age":3,"weight",13},</a:t>
+              <a:t>{"age":3,"weight":13},</a:t>
             </a:r>
           </a:p>
           <a:p>
             <a:pPr lvl="1"/>
             <a:r>
               <a:rPr lang="en-US" altLang="zh-TW" dirty="0"/>
-              <a:t>{"age":7,"weight",20},</a:t>
+              <a:t>{"age":7,"weight":20},</a:t>
             </a:r>
           </a:p>
           <a:p>
             <a:pPr lvl="1"/>
             <a:r>
               <a:rPr lang="en-US" altLang="zh-TW" dirty="0"/>
-              <a:t>{"age":12,"weight",28}]</a:t>
+              <a:t>{"age":12,"weight":28}]</a:t>
             </a:r>
           </a:p>
           <a:p>
@@ -4474,7 +4477,7 @@
         </p:blipFill>
         <p:spPr bwMode="auto">
           <a:xfrm>
-            <a:off x="1276865" y="1260389"/>
+            <a:off x="1445593" y="1513398"/>
             <a:ext cx="9144000" cy="5457567"/>
           </a:xfrm>
           <a:prstGeom prst="rect">
@@ -4496,6 +4499,790 @@
     <p:extLst>
       <p:ext uri="{BB962C8B-B14F-4D97-AF65-F5344CB8AC3E}">
         <p14:creationId xmlns:p14="http://schemas.microsoft.com/office/powerpoint/2010/main" val="1802839241"/>
+      </p:ext>
+    </p:extLst>
+  </p:cSld>
+  <p:clrMapOvr>
+    <a:masterClrMapping/>
+  </p:clrMapOvr>
+</p:sld>
+</file>
+
+<file path=ppt/slides/slide7.xml><?xml version="1.0" encoding="utf-8"?>
+<p:sld xmlns:a="http://schemas.openxmlformats.org/drawingml/2006/main" xmlns:r="http://schemas.openxmlformats.org/officeDocument/2006/relationships" xmlns:p="http://schemas.openxmlformats.org/presentationml/2006/main">
+  <p:cSld>
+    <p:spTree>
+      <p:nvGrpSpPr>
+        <p:cNvPr id="1" name=""/>
+        <p:cNvGrpSpPr/>
+        <p:nvPr/>
+      </p:nvGrpSpPr>
+      <p:grpSpPr>
+        <a:xfrm>
+          <a:off x="0" y="0"/>
+          <a:ext cx="0" cy="0"/>
+          <a:chOff x="0" y="0"/>
+          <a:chExt cx="0" cy="0"/>
+        </a:xfrm>
+      </p:grpSpPr>
+      <p:sp>
+        <p:nvSpPr>
+          <p:cNvPr id="2" name="標題 1">
+            <a:extLst>
+              <a:ext uri="{FF2B5EF4-FFF2-40B4-BE49-F238E27FC236}">
+                <a16:creationId xmlns:a16="http://schemas.microsoft.com/office/drawing/2014/main" id="{214A14DD-D8EE-4BCF-B38F-4FE5FB7FF409}"/>
+              </a:ext>
+            </a:extLst>
+          </p:cNvPr>
+          <p:cNvSpPr>
+            <a:spLocks noGrp="1"/>
+          </p:cNvSpPr>
+          <p:nvPr>
+            <p:ph type="title"/>
+          </p:nvPr>
+        </p:nvSpPr>
+        <p:spPr>
+          <a:xfrm>
+            <a:off x="609600" y="0"/>
+            <a:ext cx="10972800" cy="1143000"/>
+          </a:xfrm>
+        </p:spPr>
+        <p:txBody>
+          <a:bodyPr/>
+          <a:lstStyle/>
+          <a:p>
+            <a:r>
+              <a:rPr lang="en-US" altLang="zh-TW" dirty="0"/>
+              <a:t>HTML5 canvas </a:t>
+            </a:r>
+            <a:r>
+              <a:rPr lang="zh-TW" altLang="en-US" dirty="0"/>
+              <a:t>繪製圖表分析</a:t>
+            </a:r>
+          </a:p>
+        </p:txBody>
+      </p:sp>
+      <p:sp>
+        <p:nvSpPr>
+          <p:cNvPr id="3" name="內容版面配置區 2">
+            <a:extLst>
+              <a:ext uri="{FF2B5EF4-FFF2-40B4-BE49-F238E27FC236}">
+                <a16:creationId xmlns:a16="http://schemas.microsoft.com/office/drawing/2014/main" id="{D52F6EC9-DFE7-41E0-A421-3DDB1F9B1C9E}"/>
+              </a:ext>
+            </a:extLst>
+          </p:cNvPr>
+          <p:cNvSpPr>
+            <a:spLocks noGrp="1"/>
+          </p:cNvSpPr>
+          <p:nvPr>
+            <p:ph idx="1"/>
+          </p:nvPr>
+        </p:nvSpPr>
+        <p:spPr>
+          <a:xfrm>
+            <a:off x="609600" y="1268963"/>
+            <a:ext cx="10972800" cy="4857205"/>
+          </a:xfrm>
+        </p:spPr>
+        <p:txBody>
+          <a:bodyPr/>
+          <a:lstStyle/>
+          <a:p>
+            <a:r>
+              <a:rPr lang="zh-TW" altLang="en-US" dirty="0"/>
+              <a:t>座標軸</a:t>
+            </a:r>
+            <a:endParaRPr lang="en-US" altLang="zh-TW" dirty="0"/>
+          </a:p>
+          <a:p>
+            <a:pPr lvl="1"/>
+            <a:r>
+              <a:rPr lang="zh-TW" altLang="en-US" dirty="0"/>
+              <a:t>往右為正，</a:t>
+            </a:r>
+            <a:r>
+              <a:rPr lang="en-US" altLang="zh-TW" dirty="0"/>
+              <a:t>canvas x </a:t>
+            </a:r>
+            <a:r>
+              <a:rPr lang="zh-TW" altLang="en-US" dirty="0"/>
+              <a:t>對應到時間 </a:t>
+            </a:r>
+            <a:r>
+              <a:rPr lang="en-US" altLang="zh-TW" dirty="0"/>
+              <a:t>t</a:t>
+            </a:r>
+            <a:r>
+              <a:rPr lang="zh-TW" altLang="en-US" dirty="0"/>
+              <a:t>、年齡 </a:t>
+            </a:r>
+            <a:r>
+              <a:rPr lang="en-US" altLang="zh-TW" dirty="0"/>
+              <a:t>t</a:t>
+            </a:r>
+          </a:p>
+          <a:p>
+            <a:pPr lvl="1"/>
+            <a:r>
+              <a:rPr lang="zh-TW" altLang="en-US" dirty="0"/>
+              <a:t>往下為正，</a:t>
+            </a:r>
+            <a:r>
+              <a:rPr lang="en-US" altLang="zh-TW" dirty="0"/>
+              <a:t>canvas y </a:t>
+            </a:r>
+            <a:r>
+              <a:rPr lang="zh-TW" altLang="en-US" dirty="0"/>
+              <a:t>對應到數值 </a:t>
+            </a:r>
+            <a:r>
+              <a:rPr lang="en-US" altLang="zh-TW" dirty="0"/>
+              <a:t>v</a:t>
+            </a:r>
+          </a:p>
+          <a:p>
+            <a:r>
+              <a:rPr lang="zh-TW" altLang="en-US" dirty="0"/>
+              <a:t>座標原點</a:t>
+            </a:r>
+            <a:endParaRPr lang="en-US" altLang="zh-TW" dirty="0"/>
+          </a:p>
+          <a:p>
+            <a:pPr lvl="1"/>
+            <a:r>
+              <a:rPr lang="en-US" altLang="zh-TW" dirty="0"/>
+              <a:t>Canvas</a:t>
+            </a:r>
+            <a:r>
+              <a:rPr lang="zh-TW" altLang="en-US" dirty="0"/>
+              <a:t> </a:t>
+            </a:r>
+            <a:r>
+              <a:rPr lang="en-US" altLang="zh-TW" dirty="0"/>
+              <a:t>(x0,y0) : </a:t>
+            </a:r>
+            <a:r>
+              <a:rPr lang="zh-TW" altLang="en-US" dirty="0"/>
+              <a:t>左上角</a:t>
+            </a:r>
+            <a:endParaRPr lang="en-US" altLang="zh-TW" dirty="0"/>
+          </a:p>
+          <a:p>
+            <a:pPr lvl="1"/>
+            <a:r>
+              <a:rPr lang="zh-TW" altLang="en-US" dirty="0"/>
+              <a:t>圖表 </a:t>
+            </a:r>
+            <a:r>
+              <a:rPr lang="en-US" altLang="zh-TW" dirty="0"/>
+              <a:t>(t0,v0) </a:t>
+            </a:r>
+            <a:r>
+              <a:rPr lang="zh-TW" altLang="en-US" dirty="0"/>
+              <a:t>對應到 </a:t>
+            </a:r>
+            <a:r>
+              <a:rPr lang="en-US" altLang="zh-TW" dirty="0"/>
+              <a:t>canvas </a:t>
+            </a:r>
+            <a:r>
+              <a:rPr lang="zh-TW" altLang="en-US" dirty="0"/>
+              <a:t>上某一點 </a:t>
+            </a:r>
+            <a:r>
+              <a:rPr lang="en-US" altLang="zh-TW" dirty="0"/>
+              <a:t>(xm0, ym0)</a:t>
+            </a:r>
+          </a:p>
+          <a:p>
+            <a:r>
+              <a:rPr lang="zh-TW" altLang="en-US" dirty="0"/>
+              <a:t>像素間隔</a:t>
+            </a:r>
+            <a:r>
+              <a:rPr lang="en-US" altLang="zh-TW" dirty="0"/>
+              <a:t>(pixel spacing)</a:t>
+            </a:r>
+            <a:r>
+              <a:rPr lang="zh-TW" altLang="en-US" dirty="0"/>
+              <a:t>與實際數值單位換算</a:t>
+            </a:r>
+            <a:r>
+              <a:rPr lang="en-US" altLang="zh-TW" dirty="0"/>
+              <a:t> </a:t>
+            </a:r>
+          </a:p>
+          <a:p>
+            <a:pPr lvl="1"/>
+            <a:r>
+              <a:rPr lang="en-US" altLang="zh-TW" dirty="0"/>
+              <a:t> dt= a Px</a:t>
+            </a:r>
+            <a:r>
+              <a:rPr lang="zh-TW" altLang="en-US" dirty="0"/>
+              <a:t>，</a:t>
+            </a:r>
+            <a:r>
+              <a:rPr lang="en-US" altLang="zh-TW" dirty="0"/>
+              <a:t>dv= b Px.  </a:t>
+            </a:r>
+          </a:p>
+          <a:p>
+            <a:pPr lvl="2"/>
+            <a:r>
+              <a:rPr lang="en-US" altLang="zh-TW" dirty="0"/>
+              <a:t>Px, </a:t>
+            </a:r>
+            <a:r>
+              <a:rPr lang="en-US" altLang="zh-TW" dirty="0" err="1"/>
+              <a:t>Py</a:t>
+            </a:r>
+            <a:r>
+              <a:rPr lang="zh-TW" altLang="en-US" dirty="0"/>
+              <a:t> 對應到每個像素之 </a:t>
+            </a:r>
+            <a:r>
+              <a:rPr lang="en-US" altLang="zh-TW" dirty="0" err="1"/>
+              <a:t>x,y</a:t>
+            </a:r>
+            <a:r>
+              <a:rPr lang="zh-TW" altLang="en-US" dirty="0"/>
+              <a:t> 間隔</a:t>
+            </a:r>
+            <a:endParaRPr lang="en-US" altLang="zh-TW" dirty="0"/>
+          </a:p>
+          <a:p>
+            <a:pPr lvl="2"/>
+            <a:r>
+              <a:rPr lang="en-US" altLang="zh-TW" dirty="0"/>
+              <a:t>dt ,dv </a:t>
+            </a:r>
+            <a:r>
+              <a:rPr lang="zh-TW" altLang="en-US" dirty="0"/>
+              <a:t>為時間及數值單位，</a:t>
+            </a:r>
+            <a:r>
+              <a:rPr lang="en-US" altLang="zh-TW" dirty="0" err="1"/>
+              <a:t>a,b</a:t>
+            </a:r>
+            <a:r>
+              <a:rPr lang="en-US" altLang="zh-TW" dirty="0"/>
+              <a:t> </a:t>
+            </a:r>
+            <a:r>
+              <a:rPr lang="zh-TW" altLang="en-US" dirty="0"/>
+              <a:t>為換算比例</a:t>
+            </a:r>
+            <a:r>
+              <a:rPr lang="en-US" altLang="zh-TW" dirty="0"/>
+              <a:t> </a:t>
+            </a:r>
+            <a:endParaRPr lang="zh-TW" altLang="en-US" dirty="0"/>
+          </a:p>
+        </p:txBody>
+      </p:sp>
+    </p:spTree>
+    <p:extLst>
+      <p:ext uri="{BB962C8B-B14F-4D97-AF65-F5344CB8AC3E}">
+        <p14:creationId xmlns:p14="http://schemas.microsoft.com/office/powerpoint/2010/main" val="935763690"/>
+      </p:ext>
+    </p:extLst>
+  </p:cSld>
+  <p:clrMapOvr>
+    <a:masterClrMapping/>
+  </p:clrMapOvr>
+</p:sld>
+</file>
+
+<file path=ppt/slides/slide8.xml><?xml version="1.0" encoding="utf-8"?>
+<p:sld xmlns:a="http://schemas.openxmlformats.org/drawingml/2006/main" xmlns:r="http://schemas.openxmlformats.org/officeDocument/2006/relationships" xmlns:p="http://schemas.openxmlformats.org/presentationml/2006/main">
+  <p:cSld>
+    <p:spTree>
+      <p:nvGrpSpPr>
+        <p:cNvPr id="1" name=""/>
+        <p:cNvGrpSpPr/>
+        <p:nvPr/>
+      </p:nvGrpSpPr>
+      <p:grpSpPr>
+        <a:xfrm>
+          <a:off x="0" y="0"/>
+          <a:ext cx="0" cy="0"/>
+          <a:chOff x="0" y="0"/>
+          <a:chExt cx="0" cy="0"/>
+        </a:xfrm>
+      </p:grpSpPr>
+      <p:sp>
+        <p:nvSpPr>
+          <p:cNvPr id="2" name="標題 1">
+            <a:extLst>
+              <a:ext uri="{FF2B5EF4-FFF2-40B4-BE49-F238E27FC236}">
+                <a16:creationId xmlns:a16="http://schemas.microsoft.com/office/drawing/2014/main" id="{EF933FDB-B421-4692-9409-194EAEF64D0A}"/>
+              </a:ext>
+            </a:extLst>
+          </p:cNvPr>
+          <p:cNvSpPr>
+            <a:spLocks noGrp="1"/>
+          </p:cNvSpPr>
+          <p:nvPr>
+            <p:ph type="title"/>
+          </p:nvPr>
+        </p:nvSpPr>
+        <p:spPr>
+          <a:xfrm>
+            <a:off x="524933" y="79904"/>
+            <a:ext cx="10972800" cy="1143000"/>
+          </a:xfrm>
+        </p:spPr>
+        <p:txBody>
+          <a:bodyPr/>
+          <a:lstStyle/>
+          <a:p>
+            <a:r>
+              <a:rPr lang="zh-TW" altLang="en-US" dirty="0"/>
+              <a:t>體溫表單設定條件</a:t>
+            </a:r>
+            <a:br>
+              <a:rPr lang="en-US" altLang="zh-TW" dirty="0"/>
+            </a:br>
+            <a:endParaRPr lang="zh-TW" altLang="en-US" dirty="0"/>
+          </a:p>
+        </p:txBody>
+      </p:sp>
+      <p:sp>
+        <p:nvSpPr>
+          <p:cNvPr id="3" name="內容版面配置區 2">
+            <a:extLst>
+              <a:ext uri="{FF2B5EF4-FFF2-40B4-BE49-F238E27FC236}">
+                <a16:creationId xmlns:a16="http://schemas.microsoft.com/office/drawing/2014/main" id="{C2918067-21E2-48A6-A150-67AE53607FC5}"/>
+              </a:ext>
+            </a:extLst>
+          </p:cNvPr>
+          <p:cNvSpPr>
+            <a:spLocks noGrp="1"/>
+          </p:cNvSpPr>
+          <p:nvPr>
+            <p:ph idx="1"/>
+          </p:nvPr>
+        </p:nvSpPr>
+        <p:spPr>
+          <a:xfrm>
+            <a:off x="575733" y="725749"/>
+            <a:ext cx="10972800" cy="5101701"/>
+          </a:xfrm>
+        </p:spPr>
+        <p:txBody>
+          <a:bodyPr/>
+          <a:lstStyle/>
+          <a:p>
+            <a:r>
+              <a:rPr lang="zh-TW" altLang="en-US" dirty="0"/>
+              <a:t>一般體溫範圍  </a:t>
+            </a:r>
+            <a:r>
+              <a:rPr lang="en-US" altLang="zh-TW" dirty="0"/>
+              <a:t>35.6-39.6 </a:t>
+            </a:r>
+            <a:r>
+              <a:rPr lang="zh-TW" altLang="en-US" dirty="0"/>
+              <a:t>攝氏度，圖表需顯示一周的體溫紀錄</a:t>
+            </a:r>
+            <a:endParaRPr lang="en-US" altLang="zh-TW" dirty="0"/>
+          </a:p>
+          <a:p>
+            <a:r>
+              <a:rPr lang="zh-TW" altLang="en-US" dirty="0"/>
+              <a:t>畫布大小 </a:t>
+            </a:r>
+            <a:r>
+              <a:rPr lang="en-US" altLang="zh-TW" dirty="0"/>
+              <a:t>width= 1400, height= 800 </a:t>
+            </a:r>
+          </a:p>
+          <a:p>
+            <a:r>
+              <a:rPr lang="zh-TW" altLang="en-US" dirty="0"/>
+              <a:t>則可設洽當的數值換算比例</a:t>
+            </a:r>
+            <a:r>
+              <a:rPr lang="en-US" altLang="zh-TW" dirty="0"/>
+              <a:t>:</a:t>
+            </a:r>
+          </a:p>
+          <a:p>
+            <a:pPr lvl="1"/>
+            <a:r>
+              <a:rPr lang="en-US" altLang="zh-TW" dirty="0"/>
+              <a:t>1 day = 200 px, 1 </a:t>
+            </a:r>
+            <a:r>
+              <a:rPr lang="zh-TW" altLang="en-US" dirty="0"/>
+              <a:t>攝氏度</a:t>
+            </a:r>
+            <a:r>
+              <a:rPr lang="en-US" altLang="zh-TW" dirty="0"/>
+              <a:t>=</a:t>
+            </a:r>
+            <a:r>
+              <a:rPr lang="zh-TW" altLang="en-US" dirty="0"/>
+              <a:t> </a:t>
+            </a:r>
+            <a:r>
+              <a:rPr lang="en-US" altLang="zh-TW" dirty="0"/>
+              <a:t>200 </a:t>
+            </a:r>
+            <a:r>
+              <a:rPr lang="en-US" altLang="zh-TW" dirty="0" err="1"/>
+              <a:t>py</a:t>
+            </a:r>
+            <a:r>
+              <a:rPr lang="en-US" altLang="zh-TW" dirty="0"/>
+              <a:t>,  </a:t>
+            </a:r>
+            <a:r>
+              <a:rPr lang="zh-TW" altLang="en-US" dirty="0"/>
+              <a:t>圖表原點</a:t>
+            </a:r>
+            <a:r>
+              <a:rPr lang="en-US" altLang="zh-TW" dirty="0"/>
+              <a:t> (</a:t>
+            </a:r>
+            <a:r>
+              <a:rPr lang="zh-TW" altLang="en-US" dirty="0"/>
+              <a:t>周一早上 </a:t>
+            </a:r>
+            <a:r>
+              <a:rPr lang="en-US" altLang="zh-TW" dirty="0"/>
+              <a:t>0 </a:t>
+            </a:r>
+            <a:r>
+              <a:rPr lang="zh-TW" altLang="en-US" dirty="0"/>
+              <a:t>點，</a:t>
+            </a:r>
+            <a:r>
+              <a:rPr lang="en-US" altLang="zh-TW" dirty="0"/>
+              <a:t>35.6 </a:t>
+            </a:r>
+            <a:r>
+              <a:rPr lang="zh-TW" altLang="en-US" dirty="0"/>
+              <a:t>度</a:t>
+            </a:r>
+            <a:r>
+              <a:rPr lang="en-US" altLang="zh-TW" dirty="0"/>
+              <a:t>) </a:t>
+            </a:r>
+            <a:r>
+              <a:rPr lang="zh-TW" altLang="en-US" dirty="0"/>
+              <a:t>對應到 </a:t>
+            </a:r>
+            <a:r>
+              <a:rPr lang="en-US" altLang="zh-TW" dirty="0"/>
+              <a:t>canvas (0,800)</a:t>
+            </a:r>
+          </a:p>
+          <a:p>
+            <a:pPr lvl="1"/>
+            <a:r>
+              <a:rPr lang="zh-TW" altLang="en-US" dirty="0"/>
+              <a:t>若以小時</a:t>
+            </a:r>
+            <a:r>
+              <a:rPr lang="en-US" altLang="zh-TW" dirty="0"/>
+              <a:t>(</a:t>
+            </a:r>
+            <a:r>
+              <a:rPr lang="en-US" altLang="zh-TW" dirty="0" err="1"/>
+              <a:t>hr</a:t>
+            </a:r>
+            <a:r>
+              <a:rPr lang="en-US" altLang="zh-TW" dirty="0"/>
+              <a:t>)</a:t>
+            </a:r>
+            <a:r>
+              <a:rPr lang="zh-TW" altLang="en-US" dirty="0"/>
+              <a:t>為單位，一周共 </a:t>
+            </a:r>
+            <a:r>
+              <a:rPr lang="en-US" altLang="zh-TW" dirty="0"/>
+              <a:t>7 </a:t>
+            </a:r>
+            <a:r>
+              <a:rPr lang="zh-TW" altLang="en-US" dirty="0"/>
+              <a:t>*  </a:t>
+            </a:r>
+            <a:r>
+              <a:rPr lang="en-US" altLang="zh-TW" dirty="0"/>
+              <a:t>24 </a:t>
+            </a:r>
+            <a:r>
+              <a:rPr lang="en-US" altLang="zh-TW" dirty="0" err="1"/>
+              <a:t>hr</a:t>
+            </a:r>
+            <a:r>
+              <a:rPr lang="zh-TW" altLang="en-US" dirty="0"/>
+              <a:t>，周一早上零時為基準點之 </a:t>
+            </a:r>
+            <a:r>
+              <a:rPr lang="en-US" altLang="zh-TW" dirty="0"/>
+              <a:t>t </a:t>
+            </a:r>
+            <a:r>
+              <a:rPr lang="en-US" altLang="zh-TW" dirty="0" err="1"/>
+              <a:t>hr</a:t>
+            </a:r>
+            <a:r>
+              <a:rPr lang="zh-TW" altLang="en-US" dirty="0"/>
+              <a:t>。如週二早上八點為 </a:t>
+            </a:r>
+            <a:r>
+              <a:rPr lang="en-US" altLang="zh-TW" dirty="0"/>
+              <a:t>24*1 + 8= 32 </a:t>
+            </a:r>
+            <a:r>
+              <a:rPr lang="en-US" altLang="zh-TW" dirty="0" err="1"/>
+              <a:t>hr</a:t>
+            </a:r>
+            <a:r>
+              <a:rPr lang="en-US" altLang="zh-TW" dirty="0"/>
+              <a:t> </a:t>
+            </a:r>
+          </a:p>
+          <a:p>
+            <a:r>
+              <a:rPr lang="zh-TW" altLang="en-US" dirty="0"/>
+              <a:t>初步練習</a:t>
+            </a:r>
+            <a:r>
+              <a:rPr lang="en-US" altLang="zh-TW" dirty="0"/>
+              <a:t>:</a:t>
+            </a:r>
+            <a:r>
+              <a:rPr lang="zh-TW" altLang="en-US" dirty="0"/>
+              <a:t> </a:t>
+            </a:r>
+            <a:endParaRPr lang="en-US" altLang="zh-TW" dirty="0"/>
+          </a:p>
+          <a:p>
+            <a:pPr lvl="1"/>
+            <a:r>
+              <a:rPr lang="zh-TW" altLang="en-US" dirty="0"/>
+              <a:t>請算出週三晚上十點量測體溫 </a:t>
+            </a:r>
+            <a:r>
+              <a:rPr lang="en-US" altLang="zh-TW" dirty="0"/>
+              <a:t>38 </a:t>
+            </a:r>
+            <a:r>
+              <a:rPr lang="zh-TW" altLang="en-US" dirty="0"/>
+              <a:t>度對應的座標點</a:t>
+            </a:r>
+            <a:endParaRPr lang="en-US" altLang="zh-TW" dirty="0"/>
+          </a:p>
+          <a:p>
+            <a:pPr lvl="1"/>
+            <a:r>
+              <a:rPr lang="zh-TW" altLang="en-US" dirty="0"/>
+              <a:t>若下一個量測資料為週四凌晨兩點體溫 </a:t>
+            </a:r>
+            <a:r>
+              <a:rPr lang="en-US" altLang="zh-TW" dirty="0"/>
+              <a:t>38.5 </a:t>
+            </a:r>
+            <a:r>
+              <a:rPr lang="zh-TW" altLang="en-US" dirty="0"/>
+              <a:t>度，請劃出這兩點所連直線</a:t>
+            </a:r>
+            <a:endParaRPr lang="en-US" altLang="zh-TW" dirty="0"/>
+          </a:p>
+          <a:p>
+            <a:endParaRPr lang="zh-TW" altLang="en-US" dirty="0"/>
+          </a:p>
+        </p:txBody>
+      </p:sp>
+    </p:spTree>
+    <p:extLst>
+      <p:ext uri="{BB962C8B-B14F-4D97-AF65-F5344CB8AC3E}">
+        <p14:creationId xmlns:p14="http://schemas.microsoft.com/office/powerpoint/2010/main" val="2138573871"/>
+      </p:ext>
+    </p:extLst>
+  </p:cSld>
+  <p:clrMapOvr>
+    <a:masterClrMapping/>
+  </p:clrMapOvr>
+</p:sld>
+</file>
+
+<file path=ppt/slides/slide9.xml><?xml version="1.0" encoding="utf-8"?>
+<p:sld xmlns:a="http://schemas.openxmlformats.org/drawingml/2006/main" xmlns:r="http://schemas.openxmlformats.org/officeDocument/2006/relationships" xmlns:p="http://schemas.openxmlformats.org/presentationml/2006/main">
+  <p:cSld>
+    <p:spTree>
+      <p:nvGrpSpPr>
+        <p:cNvPr id="1" name=""/>
+        <p:cNvGrpSpPr/>
+        <p:nvPr/>
+      </p:nvGrpSpPr>
+      <p:grpSpPr>
+        <a:xfrm>
+          <a:off x="0" y="0"/>
+          <a:ext cx="0" cy="0"/>
+          <a:chOff x="0" y="0"/>
+          <a:chExt cx="0" cy="0"/>
+        </a:xfrm>
+      </p:grpSpPr>
+      <p:sp>
+        <p:nvSpPr>
+          <p:cNvPr id="2" name="標題 1">
+            <a:extLst>
+              <a:ext uri="{FF2B5EF4-FFF2-40B4-BE49-F238E27FC236}">
+                <a16:creationId xmlns:a16="http://schemas.microsoft.com/office/drawing/2014/main" id="{EF933FDB-B421-4692-9409-194EAEF64D0A}"/>
+              </a:ext>
+            </a:extLst>
+          </p:cNvPr>
+          <p:cNvSpPr>
+            <a:spLocks noGrp="1"/>
+          </p:cNvSpPr>
+          <p:nvPr>
+            <p:ph type="title"/>
+          </p:nvPr>
+        </p:nvSpPr>
+        <p:spPr>
+          <a:xfrm>
+            <a:off x="524933" y="79904"/>
+            <a:ext cx="10972800" cy="1143000"/>
+          </a:xfrm>
+        </p:spPr>
+        <p:txBody>
+          <a:bodyPr/>
+          <a:lstStyle/>
+          <a:p>
+            <a:r>
+              <a:rPr lang="zh-TW" altLang="en-US" dirty="0"/>
+              <a:t>練習二</a:t>
+            </a:r>
+            <a:br>
+              <a:rPr lang="en-US" altLang="zh-TW" dirty="0"/>
+            </a:br>
+            <a:endParaRPr lang="zh-TW" altLang="en-US" dirty="0"/>
+          </a:p>
+        </p:txBody>
+      </p:sp>
+      <p:sp>
+        <p:nvSpPr>
+          <p:cNvPr id="3" name="內容版面配置區 2">
+            <a:extLst>
+              <a:ext uri="{FF2B5EF4-FFF2-40B4-BE49-F238E27FC236}">
+                <a16:creationId xmlns:a16="http://schemas.microsoft.com/office/drawing/2014/main" id="{C2918067-21E2-48A6-A150-67AE53607FC5}"/>
+              </a:ext>
+            </a:extLst>
+          </p:cNvPr>
+          <p:cNvSpPr>
+            <a:spLocks noGrp="1"/>
+          </p:cNvSpPr>
+          <p:nvPr>
+            <p:ph idx="1"/>
+          </p:nvPr>
+        </p:nvSpPr>
+        <p:spPr>
+          <a:xfrm>
+            <a:off x="575733" y="725749"/>
+            <a:ext cx="10972800" cy="5101701"/>
+          </a:xfrm>
+        </p:spPr>
+        <p:txBody>
+          <a:bodyPr/>
+          <a:lstStyle/>
+          <a:p>
+            <a:r>
+              <a:rPr lang="zh-TW" altLang="en-US" dirty="0"/>
+              <a:t>請基於 </a:t>
+            </a:r>
+            <a:r>
+              <a:rPr lang="en-US" altLang="zh-TW" dirty="0"/>
+              <a:t>FHIR</a:t>
+            </a:r>
+            <a:r>
+              <a:rPr lang="zh-TW" altLang="en-US" dirty="0"/>
+              <a:t> 規範上傳某個人的體溫紀錄</a:t>
+            </a:r>
+            <a:endParaRPr lang="en-US" altLang="zh-TW" dirty="0"/>
+          </a:p>
+          <a:p>
+            <a:endParaRPr lang="en-US" altLang="zh-TW" dirty="0"/>
+          </a:p>
+          <a:p>
+            <a:r>
+              <a:rPr lang="zh-TW" altLang="en-US" dirty="0"/>
+              <a:t>透過 </a:t>
+            </a:r>
+            <a:r>
+              <a:rPr lang="en-US" altLang="zh-TW" dirty="0"/>
+              <a:t>FHIR</a:t>
+            </a:r>
+            <a:r>
+              <a:rPr lang="zh-TW" altLang="en-US" dirty="0"/>
+              <a:t> </a:t>
+            </a:r>
+            <a:r>
+              <a:rPr lang="en-US" altLang="zh-TW" dirty="0"/>
+              <a:t>API</a:t>
+            </a:r>
+            <a:r>
+              <a:rPr lang="zh-TW" altLang="en-US" dirty="0"/>
+              <a:t> 向 </a:t>
+            </a:r>
+            <a:r>
+              <a:rPr lang="en-US" altLang="zh-TW" dirty="0"/>
+              <a:t>FHIR</a:t>
+            </a:r>
+            <a:r>
+              <a:rPr lang="zh-TW" altLang="en-US" dirty="0"/>
+              <a:t> </a:t>
+            </a:r>
+            <a:r>
+              <a:rPr lang="en-US" altLang="zh-TW" dirty="0"/>
+              <a:t>server </a:t>
+            </a:r>
+            <a:r>
+              <a:rPr lang="zh-TW" altLang="en-US" dirty="0"/>
+              <a:t>調閱這個人本周的體溫紀錄</a:t>
+            </a:r>
+            <a:endParaRPr lang="en-US" altLang="zh-TW" dirty="0"/>
+          </a:p>
+          <a:p>
+            <a:endParaRPr lang="en-US" altLang="zh-TW" dirty="0"/>
+          </a:p>
+          <a:p>
+            <a:r>
+              <a:rPr lang="zh-TW" altLang="en-US" dirty="0"/>
+              <a:t>以折現圖呈現體溫</a:t>
+            </a:r>
+            <a:endParaRPr lang="en-US" altLang="zh-TW" dirty="0"/>
+          </a:p>
+          <a:p>
+            <a:endParaRPr lang="en-US" altLang="zh-TW"/>
+          </a:p>
+          <a:p>
+            <a:r>
+              <a:rPr lang="zh-TW" altLang="en-US"/>
+              <a:t>以</a:t>
+            </a:r>
+            <a:r>
+              <a:rPr lang="zh-TW" altLang="en-US" dirty="0"/>
+              <a:t>表格呈現體溫紀錄</a:t>
+            </a:r>
+            <a:endParaRPr lang="en-US" altLang="zh-TW" dirty="0"/>
+          </a:p>
+          <a:p>
+            <a:endParaRPr lang="en-US" altLang="zh-TW" dirty="0"/>
+          </a:p>
+          <a:p>
+            <a:endParaRPr lang="zh-TW" altLang="en-US" dirty="0"/>
+          </a:p>
+        </p:txBody>
+      </p:sp>
+    </p:spTree>
+    <p:extLst>
+      <p:ext uri="{BB962C8B-B14F-4D97-AF65-F5344CB8AC3E}">
+        <p14:creationId xmlns:p14="http://schemas.microsoft.com/office/powerpoint/2010/main" val="2332741832"/>
       </p:ext>
     </p:extLst>
   </p:cSld>

--- a/HTML5Canvas/ECG_Grid/drawChart.pptx
+++ b/HTML5Canvas/ECG_Grid/drawChart.pptx
@@ -4716,15 +4716,47 @@
             <a:pPr lvl="1"/>
             <a:r>
               <a:rPr lang="en-US" altLang="zh-TW" dirty="0"/>
-              <a:t> dt= a Px</a:t>
-            </a:r>
-            <a:r>
-              <a:rPr lang="zh-TW" altLang="en-US" dirty="0"/>
+              <a:t> </a:t>
+            </a:r>
+            <a:r>
+              <a:rPr lang="en-US" altLang="zh-TW" dirty="0">
+                <a:solidFill>
+                  <a:srgbClr val="FF0000"/>
+                </a:solidFill>
+              </a:rPr>
+              <a:t>dt= a Px</a:t>
+            </a:r>
+            <a:r>
+              <a:rPr lang="zh-TW" altLang="en-US" dirty="0">
+                <a:solidFill>
+                  <a:srgbClr val="FF0000"/>
+                </a:solidFill>
+              </a:rPr>
               <a:t>，</a:t>
             </a:r>
             <a:r>
-              <a:rPr lang="en-US" altLang="zh-TW" dirty="0"/>
-              <a:t>dv= b Px.  </a:t>
+              <a:rPr lang="en-US" altLang="zh-TW" dirty="0">
+                <a:solidFill>
+                  <a:srgbClr val="FF0000"/>
+                </a:solidFill>
+              </a:rPr>
+              <a:t>dv= b </a:t>
+            </a:r>
+            <a:r>
+              <a:rPr lang="en-US" altLang="zh-TW" dirty="0" err="1">
+                <a:solidFill>
+                  <a:srgbClr val="FF0000"/>
+                </a:solidFill>
+              </a:rPr>
+              <a:t>Py</a:t>
+            </a:r>
+            <a:r>
+              <a:rPr lang="en-US" altLang="zh-TW" dirty="0">
+                <a:solidFill>
+                  <a:srgbClr val="FF0000"/>
+                </a:solidFill>
+              </a:rPr>
+              <a:t>.  </a:t>
             </a:r>
           </a:p>
           <a:p>
@@ -5248,26 +5280,25 @@
             <a:endParaRPr lang="en-US" altLang="zh-TW" dirty="0"/>
           </a:p>
           <a:p>
+            <a:r>
+              <a:rPr lang="en-US" altLang="zh-TW" dirty="0"/>
+              <a:t>http://hapi.fhir.org/baseR4/Observation?subject=1921073</a:t>
+            </a:r>
+          </a:p>
+          <a:p>
+            <a:r>
+              <a:rPr lang="zh-TW" altLang="en-US" dirty="0"/>
+              <a:t>以折現圖呈現體溫</a:t>
+            </a:r>
             <a:endParaRPr lang="en-US" altLang="zh-TW" dirty="0"/>
           </a:p>
           <a:p>
-            <a:r>
-              <a:rPr lang="zh-TW" altLang="en-US" dirty="0"/>
-              <a:t>以折現圖呈現體溫</a:t>
-            </a:r>
             <a:endParaRPr lang="en-US" altLang="zh-TW" dirty="0"/>
           </a:p>
           <a:p>
-            <a:endParaRPr lang="en-US" altLang="zh-TW"/>
-          </a:p>
-          <a:p>
-            <a:r>
-              <a:rPr lang="zh-TW" altLang="en-US"/>
-              <a:t>以</a:t>
-            </a:r>
-            <a:r>
-              <a:rPr lang="zh-TW" altLang="en-US" dirty="0"/>
-              <a:t>表格呈現體溫紀錄</a:t>
+            <a:r>
+              <a:rPr lang="zh-TW" altLang="en-US" dirty="0"/>
+              <a:t>以表格呈現體溫紀錄</a:t>
             </a:r>
             <a:endParaRPr lang="en-US" altLang="zh-TW" dirty="0"/>
           </a:p>
